--- a/data-wordcloud/newppt.pptx
+++ b/data-wordcloud/newppt.pptx
@@ -596,22 +596,106 @@
           </c:dLbls>
           <c:cat>
             <c:strRef>
-              <c:f>Sheet1!$A$2:$A$2</c:f>
+              <c:f>Sheet1!$A$2:$A$16</c:f>
               <c:strCache>
-                <c:ptCount val="1"/>
+                <c:ptCount val="15"/>
                 <c:pt idx="0">
-                  <c:v>abc</c:v>
+                  <c:v>Streamlit</c:v>
+                </c:pt>
+                <c:pt idx="1">
+                  <c:v>policy</c:v>
+                </c:pt>
+                <c:pt idx="2">
+                  <c:v>privacy</c:v>
+                </c:pt>
+                <c:pt idx="3">
+                  <c:v>usage</c:v>
+                </c:pt>
+                <c:pt idx="4">
+                  <c:v>statistics</c:v>
+                </c:pt>
+                <c:pt idx="5">
+                  <c:v>URL</c:v>
+                </c:pt>
+                <c:pt idx="6">
+                  <c:v>email</c:v>
+                </c:pt>
+                <c:pt idx="7">
+                  <c:v>app</c:v>
+                </c:pt>
+                <c:pt idx="8">
+                  <c:v>browser</c:v>
+                </c:pt>
+                <c:pt idx="9">
+                  <c:v>now</c:v>
+                </c:pt>
+                <c:pt idx="10">
+                  <c:v>view</c:v>
+                </c:pt>
+                <c:pt idx="11">
+                  <c:v>Users</c:v>
+                </c:pt>
+                <c:pt idx="12">
+                  <c:v>Local</c:v>
+                </c:pt>
+                <c:pt idx="13">
+                  <c:v>false</c:v>
+                </c:pt>
+                <c:pt idx="14">
+                  <c:v>gatherUsageStats</c:v>
                 </c:pt>
               </c:strCache>
             </c:strRef>
           </c:cat>
           <c:val>
             <c:numRef>
-              <c:f>Sheet1!$B$2:$B$2</c:f>
+              <c:f>Sheet1!$B$2:$B$16</c:f>
               <c:numCache>
                 <c:formatCode>General</c:formatCode>
-                <c:ptCount val="1"/>
+                <c:ptCount val="15"/>
                 <c:pt idx="0">
+                  <c:v>5</c:v>
+                </c:pt>
+                <c:pt idx="1">
+                  <c:v>3</c:v>
+                </c:pt>
+                <c:pt idx="2">
+                  <c:v>3</c:v>
+                </c:pt>
+                <c:pt idx="3">
+                  <c:v>2</c:v>
+                </c:pt>
+                <c:pt idx="4">
+                  <c:v>2</c:v>
+                </c:pt>
+                <c:pt idx="5">
+                  <c:v>2</c:v>
+                </c:pt>
+                <c:pt idx="6">
+                  <c:v>2</c:v>
+                </c:pt>
+                <c:pt idx="7">
+                  <c:v>2</c:v>
+                </c:pt>
+                <c:pt idx="8">
+                  <c:v>2</c:v>
+                </c:pt>
+                <c:pt idx="9">
+                  <c:v>1</c:v>
+                </c:pt>
+                <c:pt idx="10">
+                  <c:v>1</c:v>
+                </c:pt>
+                <c:pt idx="11">
+                  <c:v>1</c:v>
+                </c:pt>
+                <c:pt idx="12">
+                  <c:v>1</c:v>
+                </c:pt>
+                <c:pt idx="13">
+                  <c:v>1</c:v>
+                </c:pt>
+                <c:pt idx="14">
                   <c:v>1</c:v>
                 </c:pt>
               </c:numCache>
@@ -6014,7 +6098,7 @@
           <a:lstStyle/>
           <a:p>
             <a:r>
-              <a:t>Question number 1: (n = 3)</a:t>
+              <a:t>Word counts (n = 959)</a:t>
             </a:r>
           </a:p>
         </p:txBody>
